--- a/AdditionalMaterials/BookPPTs/Chap1.pptx
+++ b/AdditionalMaterials/BookPPTs/Chap1.pptx
@@ -9830,7 +9830,7 @@
           <a:p>
             <a:fld id="{0E6BA319-05E9-49EE-8F99-CA1240CA2757}" type="datetimeFigureOut">
               <a:rPr lang="en-US" smtClean="0"/>
-              <a:t>1/2/2022</a:t>
+              <a:t>1/3/2022</a:t>
             </a:fld>
             <a:endParaRPr lang="en-US"/>
           </a:p>
@@ -10032,7 +10032,7 @@
           <a:p>
             <a:fld id="{0E6BA319-05E9-49EE-8F99-CA1240CA2757}" type="datetimeFigureOut">
               <a:rPr lang="en-US" smtClean="0"/>
-              <a:t>1/2/2022</a:t>
+              <a:t>1/3/2022</a:t>
             </a:fld>
             <a:endParaRPr lang="en-US"/>
           </a:p>
@@ -10788,7 +10788,7 @@
           <a:p>
             <a:fld id="{0E6BA319-05E9-49EE-8F99-CA1240CA2757}" type="datetimeFigureOut">
               <a:rPr lang="en-US" smtClean="0"/>
-              <a:t>1/2/2022</a:t>
+              <a:t>1/3/2022</a:t>
             </a:fld>
             <a:endParaRPr lang="en-US"/>
           </a:p>
@@ -11041,7 +11041,7 @@
           <a:p>
             <a:fld id="{0E6BA319-05E9-49EE-8F99-CA1240CA2757}" type="datetimeFigureOut">
               <a:rPr lang="en-US" smtClean="0"/>
-              <a:t>1/2/2022</a:t>
+              <a:t>1/3/2022</a:t>
             </a:fld>
             <a:endParaRPr lang="en-US"/>
           </a:p>
@@ -11429,7 +11429,7 @@
           <a:p>
             <a:fld id="{0E6BA319-05E9-49EE-8F99-CA1240CA2757}" type="datetimeFigureOut">
               <a:rPr lang="en-US" smtClean="0"/>
-              <a:t>1/2/2022</a:t>
+              <a:t>1/3/2022</a:t>
             </a:fld>
             <a:endParaRPr lang="en-US"/>
           </a:p>
@@ -11570,7 +11570,7 @@
           <a:p>
             <a:fld id="{0E6BA319-05E9-49EE-8F99-CA1240CA2757}" type="datetimeFigureOut">
               <a:rPr lang="en-US" smtClean="0"/>
-              <a:t>1/2/2022</a:t>
+              <a:t>1/3/2022</a:t>
             </a:fld>
             <a:endParaRPr lang="en-US"/>
           </a:p>
@@ -11689,7 +11689,7 @@
           <a:p>
             <a:fld id="{0E6BA319-05E9-49EE-8F99-CA1240CA2757}" type="datetimeFigureOut">
               <a:rPr lang="en-US" smtClean="0"/>
-              <a:t>1/2/2022</a:t>
+              <a:t>1/3/2022</a:t>
             </a:fld>
             <a:endParaRPr lang="en-US"/>
           </a:p>
@@ -11988,7 +11988,7 @@
           <a:p>
             <a:fld id="{0E6BA319-05E9-49EE-8F99-CA1240CA2757}" type="datetimeFigureOut">
               <a:rPr lang="en-US" smtClean="0"/>
-              <a:t>1/2/2022</a:t>
+              <a:t>1/3/2022</a:t>
             </a:fld>
             <a:endParaRPr lang="en-US"/>
           </a:p>
@@ -12264,7 +12264,7 @@
           <a:p>
             <a:fld id="{0E6BA319-05E9-49EE-8F99-CA1240CA2757}" type="datetimeFigureOut">
               <a:rPr lang="en-US" smtClean="0"/>
-              <a:t>1/2/2022</a:t>
+              <a:t>1/3/2022</a:t>
             </a:fld>
             <a:endParaRPr lang="en-US"/>
           </a:p>
